--- a/emotional erwachsen/Family (FAM)/ger_FAM_01_Wie_wollen_wir_zusammenleben.pptx
+++ b/emotional erwachsen/Family (FAM)/ger_FAM_01_Wie_wollen_wir_zusammenleben.pptx
@@ -1054,6 +1054,56 @@
       </p:grpSpPr>
       <p:sp>
         <p:nvSpPr>
+          <p:cNvPr id="13" name="Rechteck 12"/>
+          <p:cNvSpPr/>
+          <p:nvPr userDrawn="1"/>
+        </p:nvSpPr>
+        <p:spPr>
+          <a:xfrm>
+            <a:off x="0" y="0"/>
+            <a:ext cx="7562850" cy="61450"/>
+          </a:xfrm>
+          <a:prstGeom prst="rect">
+            <a:avLst/>
+          </a:prstGeom>
+          <a:solidFill>
+            <a:srgbClr val="9DCB82"/>
+          </a:solidFill>
+          <a:ln>
+            <a:solidFill>
+              <a:srgbClr val="9DCB82"/>
+            </a:solidFill>
+          </a:ln>
+          <a:effectLst/>
+        </p:spPr>
+        <p:style>
+          <a:lnRef idx="1">
+            <a:schemeClr val="accent1"/>
+          </a:lnRef>
+          <a:fillRef idx="3">
+            <a:schemeClr val="accent1"/>
+          </a:fillRef>
+          <a:effectRef idx="2">
+            <a:schemeClr val="accent1"/>
+          </a:effectRef>
+          <a:fontRef idx="minor">
+            <a:schemeClr val="lt1"/>
+          </a:fontRef>
+        </p:style>
+        <p:txBody>
+          <a:bodyPr rtlCol="0" anchor="ctr"/>
+          <a:lstStyle/>
+          <a:p>
+            <a:pPr marL="285750" indent="-285750" algn="ctr">
+              <a:buFont typeface="Wingdings" charset="2"/>
+              <a:buChar char="²"/>
+            </a:pPr>
+            <a:endParaRPr lang="de-DE" dirty="0"/>
+          </a:p>
+        </p:txBody>
+      </p:sp>
+      <p:sp>
+        <p:nvSpPr>
           <p:cNvPr id="12" name="Rechteck 11"/>
           <p:cNvSpPr/>
           <p:nvPr/>
@@ -1340,56 +1390,6 @@
               <a:t>‹Nr.›</a:t>
             </a:fld>
             <a:endParaRPr lang="de-DE"/>
-          </a:p>
-        </p:txBody>
-      </p:sp>
-      <p:sp>
-        <p:nvSpPr>
-          <p:cNvPr id="8" name="Rechteck 7"/>
-          <p:cNvSpPr/>
-          <p:nvPr/>
-        </p:nvSpPr>
-        <p:spPr>
-          <a:xfrm>
-            <a:off x="0" y="0"/>
-            <a:ext cx="7562850" cy="61450"/>
-          </a:xfrm>
-          <a:prstGeom prst="rect">
-            <a:avLst/>
-          </a:prstGeom>
-          <a:solidFill>
-            <a:srgbClr val="9DCB82"/>
-          </a:solidFill>
-          <a:ln>
-            <a:solidFill>
-              <a:srgbClr val="9DCB82"/>
-            </a:solidFill>
-          </a:ln>
-          <a:effectLst/>
-        </p:spPr>
-        <p:style>
-          <a:lnRef idx="1">
-            <a:schemeClr val="accent1"/>
-          </a:lnRef>
-          <a:fillRef idx="3">
-            <a:schemeClr val="accent1"/>
-          </a:fillRef>
-          <a:effectRef idx="2">
-            <a:schemeClr val="accent1"/>
-          </a:effectRef>
-          <a:fontRef idx="minor">
-            <a:schemeClr val="lt1"/>
-          </a:fontRef>
-        </p:style>
-        <p:txBody>
-          <a:bodyPr rtlCol="0" anchor="ctr"/>
-          <a:lstStyle/>
-          <a:p>
-            <a:pPr marL="285750" indent="-285750" algn="ctr">
-              <a:buFont typeface="Wingdings" charset="2"/>
-              <a:buChar char="²"/>
-            </a:pPr>
-            <a:endParaRPr lang="de-DE" dirty="0"/>
           </a:p>
         </p:txBody>
       </p:sp>
@@ -2102,11 +2102,7 @@
           <a:p>
             <a:r>
               <a:rPr lang="de-DE" dirty="0" smtClean="0"/>
-              <a:t>Schreibt die gefundenen Regeln auf und hängt sie für alle sichtbar auf.  An diese </a:t>
-            </a:r>
-            <a:r>
-              <a:rPr lang="de-DE" dirty="0" smtClean="0"/>
-              <a:t>Regeln sollen sich nun alle </a:t>
+              <a:t>Schreibt die gefundenen Regeln auf und hängt sie für alle sichtbar auf.  An diese Regeln sollen sich nun alle </a:t>
             </a:r>
             <a:r>
               <a:rPr lang="de-DE" dirty="0"/>
@@ -2114,11 +2110,7 @@
             </a:r>
             <a:r>
               <a:rPr lang="de-DE" dirty="0" smtClean="0"/>
-              <a:t>amilienmitglieder halten </a:t>
-            </a:r>
-            <a:r>
-              <a:rPr lang="de-DE" dirty="0" smtClean="0"/>
-              <a:t>(dazu: FAM 02 „</a:t>
+              <a:t>amilienmitglieder halten (dazu: FAM 02 „</a:t>
             </a:r>
             <a:r>
               <a:rPr lang="de-DE" dirty="0" err="1" smtClean="0"/>
@@ -2166,6 +2158,36 @@
           </a:p>
         </p:txBody>
       </p:sp>
+      <p:pic>
+        <p:nvPicPr>
+          <p:cNvPr id="3" name="Bild 2" descr="certification_ee_apprentice.pdf"/>
+          <p:cNvPicPr>
+            <a:picLocks noChangeAspect="1"/>
+          </p:cNvPicPr>
+          <p:nvPr/>
+        </p:nvPicPr>
+        <p:blipFill>
+          <a:blip r:embed="rId2">
+            <a:extLst>
+              <a:ext uri="{28A0092B-C50C-407E-A947-70E740481C1C}">
+                <a14:useLocalDpi xmlns:a14="http://schemas.microsoft.com/office/drawing/2010/main" val="0"/>
+              </a:ext>
+            </a:extLst>
+          </a:blip>
+          <a:stretch>
+            <a:fillRect/>
+          </a:stretch>
+        </p:blipFill>
+        <p:spPr>
+          <a:xfrm>
+            <a:off x="6222384" y="870340"/>
+            <a:ext cx="901700" cy="901700"/>
+          </a:xfrm>
+          <a:prstGeom prst="rect">
+            <a:avLst/>
+          </a:prstGeom>
+        </p:spPr>
+      </p:pic>
     </p:spTree>
     <p:extLst>
       <p:ext uri="{BB962C8B-B14F-4D97-AF65-F5344CB8AC3E}">

--- a/emotional erwachsen/Family (FAM)/ger_FAM_01_Wie_wollen_wir_zusammenleben.pptx
+++ b/emotional erwachsen/Family (FAM)/ger_FAM_01_Wie_wollen_wir_zusammenleben.pptx
@@ -1908,19 +1908,36 @@
             </a:r>
             <a:r>
               <a:rPr lang="de-DE" dirty="0" smtClean="0"/>
-              <a:t>erantwortung für die Grundbedürfnisse der Familie. Probleme entstehen, wenn diese Macht als Dominanz ausgeübt wird – z.B. durch Einschüchterung und emotionale Gewalt (von Anschreien bis Anschweigen).</a:t>
-            </a:r>
-          </a:p>
-          <a:p>
-            <a:r>
-              <a:rPr lang="de-DE" dirty="0" smtClean="0"/>
-              <a:t>Eltern haben oft keine Idee, wie reifere Formen von Führungsverhalten aussehen und Kinder haben in dieser Konstellation keine Chance, sich als Persönlichkeit wahrgenommen zu fühlen und Eigenverantwortung zu entwickeln. Dominanz ist viel mehr eine gesellschaftliche Gewohnheit, als ein Naturgesetz.</a:t>
-            </a:r>
-          </a:p>
-          <a:p>
-            <a:r>
-              <a:rPr lang="de-DE" dirty="0" smtClean="0"/>
-              <a:t>Die Idee, Kinder auf Augenhöhe wahrzunehmen, kommt Eltern oft als gefährlicher Dammbruch vor, der Kontrollverlust und Respektlosigkeit nach sich ziehen könnte. Zu sehr wird Respekt mit der Position verknüpft, als mit dem natürlichen Respekt, den jeder Mensch verdient, einfach weil er ein Mensch ist</a:t>
+              <a:t>erantwortung für die Grundbedürfnisse der Familie. Probleme entstehen, wenn diese Macht als Dominanz ausgeübt wird – z.B. durch Einschüchterung und emotionale Gewalt (von Anschreien bis Anschweigen)</a:t>
+            </a:r>
+            <a:r>
+              <a:rPr lang="de-DE" dirty="0"/>
+              <a:t>. Dominanz ist viel mehr eine gesellschaftliche Gewohnheit, als ein Naturgesetz</a:t>
+            </a:r>
+            <a:r>
+              <a:rPr lang="de-DE" dirty="0" smtClean="0"/>
+              <a:t>.</a:t>
+            </a:r>
+            <a:endParaRPr lang="de-DE" dirty="0" smtClean="0"/>
+          </a:p>
+          <a:p>
+            <a:r>
+              <a:rPr lang="de-DE" dirty="0" smtClean="0"/>
+              <a:t>Eltern haben oft keine Idee, wie reifere Formen von Führungsverhalten aussehen und Kinder haben in dieser Konstellation keine Chance, sich als Persönlichkeit wahrgenommen zu fühlen und Eigenverantwortung zu </a:t>
+            </a:r>
+            <a:r>
+              <a:rPr lang="de-DE" dirty="0" smtClean="0"/>
+              <a:t>entwickeln.</a:t>
+            </a:r>
+          </a:p>
+          <a:p>
+            <a:r>
+              <a:rPr lang="de-DE" dirty="0" smtClean="0"/>
+              <a:t>Die </a:t>
+            </a:r>
+            <a:r>
+              <a:rPr lang="de-DE" dirty="0" smtClean="0"/>
+              <a:t>Idee, Kinder auf Augenhöhe wahrzunehmen, kommt Eltern oft als gefährlicher Dammbruch vor, der Kontrollverlust und Respektlosigkeit nach sich ziehen könnte. Zu sehr wird Respekt mit der Position verknüpft, als mit dem natürlichen Respekt, den jeder Mensch verdient, einfach weil er ein Mensch ist</a:t>
             </a:r>
           </a:p>
           <a:p>
@@ -1940,7 +1957,15 @@
           <a:p>
             <a:r>
               <a:rPr lang="de-DE" dirty="0" smtClean="0"/>
-              <a:t>Kinder, die sich ernstgenommen und respektiert fühlen und nicht jederzeit durch dominantes Elternverhalten willkürlich in ihren Entscheidungen und Handlungen überstimmt werden , lernen, </a:t>
+              <a:t>Kinder, die sich ernstgenommen und respektiert fühlen und nicht jederzeit durch dominantes Elternverhalten willkürlich in ihren Entscheidungen und Handlungen überstimmt </a:t>
+            </a:r>
+            <a:r>
+              <a:rPr lang="de-DE" dirty="0" smtClean="0"/>
+              <a:t>werden können, </a:t>
+            </a:r>
+            <a:r>
+              <a:rPr lang="de-DE" dirty="0" smtClean="0"/>
+              <a:t>lernen, </a:t>
             </a:r>
             <a:r>
               <a:rPr lang="de-DE" dirty="0"/>
@@ -1956,13 +1981,25 @@
             </a:r>
             <a:r>
               <a:rPr lang="de-DE" dirty="0" smtClean="0"/>
-              <a:t>andelns auseinanderzusetzen.</a:t>
-            </a:r>
-          </a:p>
-          <a:p>
-            <a:r>
-              <a:rPr lang="de-DE" dirty="0" smtClean="0"/>
-              <a:t>Ein erster Schritt ist, im </a:t>
+              <a:t>andelns </a:t>
+            </a:r>
+            <a:r>
+              <a:rPr lang="de-DE" dirty="0" smtClean="0"/>
+              <a:t>auseinanderzusetzen.</a:t>
+            </a:r>
+          </a:p>
+          <a:p>
+            <a:r>
+              <a:rPr lang="de-DE" dirty="0" smtClean="0"/>
+              <a:t>Ein </a:t>
+            </a:r>
+            <a:r>
+              <a:rPr lang="de-DE" dirty="0" smtClean="0"/>
+              <a:t>erster Schritt ist, </a:t>
+            </a:r>
+            <a:r>
+              <a:rPr lang="de-DE" dirty="0" smtClean="0"/>
+              <a:t>sich im </a:t>
             </a:r>
             <a:r>
               <a:rPr lang="de-DE" dirty="0"/>
@@ -1970,7 +2007,15 @@
             </a:r>
             <a:r>
               <a:rPr lang="de-DE" dirty="0" smtClean="0"/>
-              <a:t>Dialog sich auf Augenhöhe </a:t>
+              <a:t>Dialog </a:t>
+            </a:r>
+            <a:r>
+              <a:rPr lang="de-DE" dirty="0" smtClean="0"/>
+              <a:t>auf </a:t>
+            </a:r>
+            <a:r>
+              <a:rPr lang="de-DE" dirty="0" smtClean="0"/>
+              <a:t>Augenhöhe </a:t>
             </a:r>
             <a:r>
               <a:rPr lang="de-DE" dirty="0"/>
@@ -2076,8 +2121,17 @@
           <a:p>
             <a:r>
               <a:rPr lang="de-DE" dirty="0" smtClean="0"/>
-              <a:t>Dominanz ist eine Gewohnheit und nicht so leicht zu verändern. Versucht zu beobachten, wann jemand seine Perspektive durchdrücken und die anderen dominieren möchte und wann jemand wirklich versucht, die Sichtweise des anderen nachzuvollziehen.</a:t>
-            </a:r>
+              <a:t>Dominanz ist eine Gewohnheit und nicht so leicht zu verändern. Versucht zu beobachten, wann jemand seine Perspektive durchdrücken und die anderen dominieren möchte und wann jemand wirklich versucht, die Sichtweise des anderen nachzuvollziehen</a:t>
+            </a:r>
+            <a:r>
+              <a:rPr lang="de-DE" dirty="0" smtClean="0"/>
+              <a:t>. Auch Rückzug und Passivität können Zeichen von Dominan</a:t>
+            </a:r>
+            <a:r>
+              <a:rPr lang="de-DE" dirty="0" smtClean="0"/>
+              <a:t>z sein.</a:t>
+            </a:r>
+            <a:endParaRPr lang="de-DE" dirty="0" smtClean="0"/>
           </a:p>
           <a:p>
             <a:r>
@@ -2125,12 +2179,8 @@
               <a:t>Snake</a:t>
             </a:r>
             <a:r>
-              <a:rPr lang="de-DE" smtClean="0"/>
-              <a:t>“)</a:t>
-            </a:r>
-            <a:r>
-              <a:rPr lang="de-DE" dirty="0" smtClean="0"/>
-              <a:t>.</a:t>
+              <a:rPr lang="de-DE" dirty="0" smtClean="0"/>
+              <a:t>“).</a:t>
             </a:r>
           </a:p>
           <a:p>
